--- a/docs/Data515TechReview.pptx
+++ b/docs/Data515TechReview.pptx
@@ -348,7 +348,7 @@
               <a:rPr lang="en-US" smtClean="0">
                 <a:latin typeface="Segoe UI" pitchFamily="34" charset="0"/>
               </a:rPr>
-              <a:t>5/13/2019</a:t>
+              <a:t>5/14/2019</a:t>
             </a:fld>
             <a:endParaRPr lang="en-US" dirty="0">
               <a:latin typeface="Segoe UI" pitchFamily="34" charset="0"/>
@@ -671,7 +671,7 @@
             <a:fld id="{D51B1278-D92B-4AF3-A9C1-71DD298190CE}" type="datetimeFigureOut">
               <a:rPr lang="en-US" smtClean="0"/>
               <a:pPr/>
-              <a:t>5/13/2019</a:t>
+              <a:t>5/14/2019</a:t>
             </a:fld>
             <a:endParaRPr lang="en-US" dirty="0"/>
           </a:p>
@@ -986,7 +986,7 @@
                 </a:solidFill>
               </a:rPr>
               <a:pPr/>
-              <a:t>5/13/2019</a:t>
+              <a:t>5/14/2019</a:t>
             </a:fld>
             <a:endParaRPr lang="en-US" dirty="0">
               <a:solidFill>
@@ -22544,7 +22544,7 @@
         <p:spPr>
           <a:xfrm>
             <a:off x="350837" y="1363662"/>
-            <a:ext cx="11889564" cy="5693866"/>
+            <a:ext cx="11889564" cy="6032421"/>
           </a:xfrm>
         </p:spPr>
         <p:txBody>
@@ -22567,7 +22567,7 @@
             </a:pPr>
             <a:r>
               <a:rPr lang="en-US" dirty="0"/>
-              <a:t>Neural Networks</a:t>
+              <a:t>Random Forests</a:t>
             </a:r>
           </a:p>
           <a:p>
@@ -22576,8 +22576,18 @@
               <a:buChar char="•"/>
             </a:pPr>
             <a:r>
+              <a:rPr lang="en-US"/>
+              <a:t>Support Vector Machines</a:t>
+            </a:r>
+          </a:p>
+          <a:p>
+            <a:pPr marL="795338" lvl="2" indent="-571500">
+              <a:buFont typeface="Arial" panose="020B0604020202020204" pitchFamily="34" charset="0"/>
+              <a:buChar char="•"/>
+            </a:pPr>
+            <a:r>
               <a:rPr lang="en-US" dirty="0"/>
-              <a:t>Random Forests</a:t>
+              <a:t>Neural Networks</a:t>
             </a:r>
           </a:p>
           <a:p>
@@ -22887,15 +22897,33 @@
                                   </p:childTnLst>
                                 </p:cTn>
                               </p:par>
+                            </p:childTnLst>
+                          </p:cTn>
+                        </p:par>
+                      </p:childTnLst>
+                    </p:cTn>
+                  </p:par>
+                  <p:par>
+                    <p:cTn id="9" fill="hold">
+                      <p:stCondLst>
+                        <p:cond delay="indefinite"/>
+                      </p:stCondLst>
+                      <p:childTnLst>
+                        <p:par>
+                          <p:cTn id="10" fill="hold">
+                            <p:stCondLst>
+                              <p:cond delay="0"/>
+                            </p:stCondLst>
+                            <p:childTnLst>
                               <p:par>
-                                <p:cTn id="9" presetID="2" presetClass="entr" presetSubtype="4" fill="hold" nodeType="withEffect">
+                                <p:cTn id="11" presetID="2" presetClass="entr" presetSubtype="4" fill="hold" nodeType="clickEffect">
                                   <p:stCondLst>
                                     <p:cond delay="0"/>
                                   </p:stCondLst>
                                   <p:childTnLst>
                                     <p:set>
                                       <p:cBhvr>
-                                        <p:cTn id="10" dur="1" fill="hold">
+                                        <p:cTn id="12" dur="1" fill="hold">
                                           <p:stCondLst>
                                             <p:cond delay="0"/>
                                           </p:stCondLst>
@@ -22917,7 +22945,7 @@
                                     </p:set>
                                     <p:anim calcmode="lin" valueType="num">
                                       <p:cBhvr additive="base">
-                                        <p:cTn id="11" dur="500" fill="hold"/>
+                                        <p:cTn id="13" dur="500" fill="hold"/>
                                         <p:tgtEl>
                                           <p:spTgt spid="3">
                                             <p:txEl>
@@ -22944,96 +22972,11 @@
                                     </p:anim>
                                     <p:anim calcmode="lin" valueType="num">
                                       <p:cBhvr additive="base">
-                                        <p:cTn id="12" dur="500" fill="hold"/>
+                                        <p:cTn id="14" dur="500" fill="hold"/>
                                         <p:tgtEl>
                                           <p:spTgt spid="3">
                                             <p:txEl>
                                               <p:pRg st="1" end="1"/>
-                                            </p:txEl>
-                                          </p:spTgt>
-                                        </p:tgtEl>
-                                        <p:attrNameLst>
-                                          <p:attrName>ppt_y</p:attrName>
-                                        </p:attrNameLst>
-                                      </p:cBhvr>
-                                      <p:tavLst>
-                                        <p:tav tm="0">
-                                          <p:val>
-                                            <p:strVal val="1+#ppt_h/2"/>
-                                          </p:val>
-                                        </p:tav>
-                                        <p:tav tm="100000">
-                                          <p:val>
-                                            <p:strVal val="#ppt_y"/>
-                                          </p:val>
-                                        </p:tav>
-                                      </p:tavLst>
-                                    </p:anim>
-                                  </p:childTnLst>
-                                </p:cTn>
-                              </p:par>
-                              <p:par>
-                                <p:cTn id="13" presetID="2" presetClass="entr" presetSubtype="4" fill="hold" nodeType="withEffect">
-                                  <p:stCondLst>
-                                    <p:cond delay="0"/>
-                                  </p:stCondLst>
-                                  <p:childTnLst>
-                                    <p:set>
-                                      <p:cBhvr>
-                                        <p:cTn id="14" dur="1" fill="hold">
-                                          <p:stCondLst>
-                                            <p:cond delay="0"/>
-                                          </p:stCondLst>
-                                        </p:cTn>
-                                        <p:tgtEl>
-                                          <p:spTgt spid="3">
-                                            <p:txEl>
-                                              <p:pRg st="2" end="2"/>
-                                            </p:txEl>
-                                          </p:spTgt>
-                                        </p:tgtEl>
-                                        <p:attrNameLst>
-                                          <p:attrName>style.visibility</p:attrName>
-                                        </p:attrNameLst>
-                                      </p:cBhvr>
-                                      <p:to>
-                                        <p:strVal val="visible"/>
-                                      </p:to>
-                                    </p:set>
-                                    <p:anim calcmode="lin" valueType="num">
-                                      <p:cBhvr additive="base">
-                                        <p:cTn id="15" dur="500" fill="hold"/>
-                                        <p:tgtEl>
-                                          <p:spTgt spid="3">
-                                            <p:txEl>
-                                              <p:pRg st="2" end="2"/>
-                                            </p:txEl>
-                                          </p:spTgt>
-                                        </p:tgtEl>
-                                        <p:attrNameLst>
-                                          <p:attrName>ppt_x</p:attrName>
-                                        </p:attrNameLst>
-                                      </p:cBhvr>
-                                      <p:tavLst>
-                                        <p:tav tm="0">
-                                          <p:val>
-                                            <p:strVal val="#ppt_x"/>
-                                          </p:val>
-                                        </p:tav>
-                                        <p:tav tm="100000">
-                                          <p:val>
-                                            <p:strVal val="#ppt_x"/>
-                                          </p:val>
-                                        </p:tav>
-                                      </p:tavLst>
-                                    </p:anim>
-                                    <p:anim calcmode="lin" valueType="num">
-                                      <p:cBhvr additive="base">
-                                        <p:cTn id="16" dur="500" fill="hold"/>
-                                        <p:tgtEl>
-                                          <p:spTgt spid="3">
-                                            <p:txEl>
-                                              <p:pRg st="2" end="2"/>
                                             </p:txEl>
                                           </p:spTgt>
                                         </p:tgtEl>
@@ -23064,26 +23007,111 @@
                     </p:cTn>
                   </p:par>
                   <p:par>
-                    <p:cTn id="17" fill="hold">
+                    <p:cTn id="15" fill="hold">
                       <p:stCondLst>
                         <p:cond delay="indefinite"/>
                       </p:stCondLst>
                       <p:childTnLst>
                         <p:par>
-                          <p:cTn id="18" fill="hold">
+                          <p:cTn id="16" fill="hold">
                             <p:stCondLst>
                               <p:cond delay="0"/>
                             </p:stCondLst>
                             <p:childTnLst>
                               <p:par>
-                                <p:cTn id="19" presetID="2" presetClass="entr" presetSubtype="4" fill="hold" nodeType="clickEffect">
+                                <p:cTn id="17" presetID="2" presetClass="entr" presetSubtype="4" fill="hold" nodeType="clickEffect">
                                   <p:stCondLst>
                                     <p:cond delay="0"/>
                                   </p:stCondLst>
                                   <p:childTnLst>
                                     <p:set>
                                       <p:cBhvr>
-                                        <p:cTn id="20" dur="1" fill="hold">
+                                        <p:cTn id="18" dur="1" fill="hold">
+                                          <p:stCondLst>
+                                            <p:cond delay="0"/>
+                                          </p:stCondLst>
+                                        </p:cTn>
+                                        <p:tgtEl>
+                                          <p:spTgt spid="3">
+                                            <p:txEl>
+                                              <p:pRg st="2" end="2"/>
+                                            </p:txEl>
+                                          </p:spTgt>
+                                        </p:tgtEl>
+                                        <p:attrNameLst>
+                                          <p:attrName>style.visibility</p:attrName>
+                                        </p:attrNameLst>
+                                      </p:cBhvr>
+                                      <p:to>
+                                        <p:strVal val="visible"/>
+                                      </p:to>
+                                    </p:set>
+                                    <p:anim calcmode="lin" valueType="num">
+                                      <p:cBhvr additive="base">
+                                        <p:cTn id="19" dur="500" fill="hold"/>
+                                        <p:tgtEl>
+                                          <p:spTgt spid="3">
+                                            <p:txEl>
+                                              <p:pRg st="2" end="2"/>
+                                            </p:txEl>
+                                          </p:spTgt>
+                                        </p:tgtEl>
+                                        <p:attrNameLst>
+                                          <p:attrName>ppt_x</p:attrName>
+                                        </p:attrNameLst>
+                                      </p:cBhvr>
+                                      <p:tavLst>
+                                        <p:tav tm="0">
+                                          <p:val>
+                                            <p:strVal val="#ppt_x"/>
+                                          </p:val>
+                                        </p:tav>
+                                        <p:tav tm="100000">
+                                          <p:val>
+                                            <p:strVal val="#ppt_x"/>
+                                          </p:val>
+                                        </p:tav>
+                                      </p:tavLst>
+                                    </p:anim>
+                                    <p:anim calcmode="lin" valueType="num">
+                                      <p:cBhvr additive="base">
+                                        <p:cTn id="20" dur="500" fill="hold"/>
+                                        <p:tgtEl>
+                                          <p:spTgt spid="3">
+                                            <p:txEl>
+                                              <p:pRg st="2" end="2"/>
+                                            </p:txEl>
+                                          </p:spTgt>
+                                        </p:tgtEl>
+                                        <p:attrNameLst>
+                                          <p:attrName>ppt_y</p:attrName>
+                                        </p:attrNameLst>
+                                      </p:cBhvr>
+                                      <p:tavLst>
+                                        <p:tav tm="0">
+                                          <p:val>
+                                            <p:strVal val="1+#ppt_h/2"/>
+                                          </p:val>
+                                        </p:tav>
+                                        <p:tav tm="100000">
+                                          <p:val>
+                                            <p:strVal val="#ppt_y"/>
+                                          </p:val>
+                                        </p:tav>
+                                      </p:tavLst>
+                                    </p:anim>
+                                  </p:childTnLst>
+                                </p:cTn>
+                              </p:par>
+                              <p:par>
+                                <p:cTn id="21" presetID="2" presetClass="entr" presetSubtype="4" fill="hold" nodeType="withEffect">
+                                  <p:stCondLst>
+                                    <p:cond delay="0"/>
+                                  </p:stCondLst>
+                                  <p:childTnLst>
+                                    <p:set>
+                                      <p:cBhvr>
+                                        <p:cTn id="22" dur="1" fill="hold">
                                           <p:stCondLst>
                                             <p:cond delay="0"/>
                                           </p:stCondLst>
@@ -23105,7 +23133,7 @@
                                     </p:set>
                                     <p:anim calcmode="lin" valueType="num">
                                       <p:cBhvr additive="base">
-                                        <p:cTn id="21" dur="500" fill="hold"/>
+                                        <p:cTn id="23" dur="500" fill="hold"/>
                                         <p:tgtEl>
                                           <p:spTgt spid="3">
                                             <p:txEl>
@@ -23132,7 +23160,7 @@
                                     </p:anim>
                                     <p:anim calcmode="lin" valueType="num">
                                       <p:cBhvr additive="base">
-                                        <p:cTn id="22" dur="500" fill="hold"/>
+                                        <p:cTn id="24" dur="500" fill="hold"/>
                                         <p:tgtEl>
                                           <p:spTgt spid="3">
                                             <p:txEl>
@@ -23160,15 +23188,33 @@
                                   </p:childTnLst>
                                 </p:cTn>
                               </p:par>
+                            </p:childTnLst>
+                          </p:cTn>
+                        </p:par>
+                      </p:childTnLst>
+                    </p:cTn>
+                  </p:par>
+                  <p:par>
+                    <p:cTn id="25" fill="hold">
+                      <p:stCondLst>
+                        <p:cond delay="indefinite"/>
+                      </p:stCondLst>
+                      <p:childTnLst>
+                        <p:par>
+                          <p:cTn id="26" fill="hold">
+                            <p:stCondLst>
+                              <p:cond delay="0"/>
+                            </p:stCondLst>
+                            <p:childTnLst>
                               <p:par>
-                                <p:cTn id="23" presetID="2" presetClass="entr" presetSubtype="4" fill="hold" nodeType="withEffect">
+                                <p:cTn id="27" presetID="2" presetClass="entr" presetSubtype="4" fill="hold" nodeType="clickEffect">
                                   <p:stCondLst>
                                     <p:cond delay="0"/>
                                   </p:stCondLst>
                                   <p:childTnLst>
                                     <p:set>
                                       <p:cBhvr>
-                                        <p:cTn id="24" dur="1" fill="hold">
+                                        <p:cTn id="28" dur="1" fill="hold">
                                           <p:stCondLst>
                                             <p:cond delay="0"/>
                                           </p:stCondLst>
@@ -23190,7 +23236,7 @@
                                     </p:set>
                                     <p:anim calcmode="lin" valueType="num">
                                       <p:cBhvr additive="base">
-                                        <p:cTn id="25" dur="500" fill="hold"/>
+                                        <p:cTn id="29" dur="500" fill="hold"/>
                                         <p:tgtEl>
                                           <p:spTgt spid="3">
                                             <p:txEl>
@@ -23217,96 +23263,11 @@
                                     </p:anim>
                                     <p:anim calcmode="lin" valueType="num">
                                       <p:cBhvr additive="base">
-                                        <p:cTn id="26" dur="500" fill="hold"/>
+                                        <p:cTn id="30" dur="500" fill="hold"/>
                                         <p:tgtEl>
                                           <p:spTgt spid="3">
                                             <p:txEl>
                                               <p:pRg st="4" end="4"/>
-                                            </p:txEl>
-                                          </p:spTgt>
-                                        </p:tgtEl>
-                                        <p:attrNameLst>
-                                          <p:attrName>ppt_y</p:attrName>
-                                        </p:attrNameLst>
-                                      </p:cBhvr>
-                                      <p:tavLst>
-                                        <p:tav tm="0">
-                                          <p:val>
-                                            <p:strVal val="1+#ppt_h/2"/>
-                                          </p:val>
-                                        </p:tav>
-                                        <p:tav tm="100000">
-                                          <p:val>
-                                            <p:strVal val="#ppt_y"/>
-                                          </p:val>
-                                        </p:tav>
-                                      </p:tavLst>
-                                    </p:anim>
-                                  </p:childTnLst>
-                                </p:cTn>
-                              </p:par>
-                              <p:par>
-                                <p:cTn id="27" presetID="2" presetClass="entr" presetSubtype="4" fill="hold" nodeType="withEffect">
-                                  <p:stCondLst>
-                                    <p:cond delay="0"/>
-                                  </p:stCondLst>
-                                  <p:childTnLst>
-                                    <p:set>
-                                      <p:cBhvr>
-                                        <p:cTn id="28" dur="1" fill="hold">
-                                          <p:stCondLst>
-                                            <p:cond delay="0"/>
-                                          </p:stCondLst>
-                                        </p:cTn>
-                                        <p:tgtEl>
-                                          <p:spTgt spid="3">
-                                            <p:txEl>
-                                              <p:pRg st="5" end="5"/>
-                                            </p:txEl>
-                                          </p:spTgt>
-                                        </p:tgtEl>
-                                        <p:attrNameLst>
-                                          <p:attrName>style.visibility</p:attrName>
-                                        </p:attrNameLst>
-                                      </p:cBhvr>
-                                      <p:to>
-                                        <p:strVal val="visible"/>
-                                      </p:to>
-                                    </p:set>
-                                    <p:anim calcmode="lin" valueType="num">
-                                      <p:cBhvr additive="base">
-                                        <p:cTn id="29" dur="500" fill="hold"/>
-                                        <p:tgtEl>
-                                          <p:spTgt spid="3">
-                                            <p:txEl>
-                                              <p:pRg st="5" end="5"/>
-                                            </p:txEl>
-                                          </p:spTgt>
-                                        </p:tgtEl>
-                                        <p:attrNameLst>
-                                          <p:attrName>ppt_x</p:attrName>
-                                        </p:attrNameLst>
-                                      </p:cBhvr>
-                                      <p:tavLst>
-                                        <p:tav tm="0">
-                                          <p:val>
-                                            <p:strVal val="#ppt_x"/>
-                                          </p:val>
-                                        </p:tav>
-                                        <p:tav tm="100000">
-                                          <p:val>
-                                            <p:strVal val="#ppt_x"/>
-                                          </p:val>
-                                        </p:tav>
-                                      </p:tavLst>
-                                    </p:anim>
-                                    <p:anim calcmode="lin" valueType="num">
-                                      <p:cBhvr additive="base">
-                                        <p:cTn id="30" dur="500" fill="hold"/>
-                                        <p:tgtEl>
-                                          <p:spTgt spid="3">
-                                            <p:txEl>
-                                              <p:pRg st="5" end="5"/>
                                             </p:txEl>
                                           </p:spTgt>
                                         </p:tgtEl>
@@ -23346,6 +23307,91 @@
                                         <p:tgtEl>
                                           <p:spTgt spid="3">
                                             <p:txEl>
+                                              <p:pRg st="5" end="5"/>
+                                            </p:txEl>
+                                          </p:spTgt>
+                                        </p:tgtEl>
+                                        <p:attrNameLst>
+                                          <p:attrName>style.visibility</p:attrName>
+                                        </p:attrNameLst>
+                                      </p:cBhvr>
+                                      <p:to>
+                                        <p:strVal val="visible"/>
+                                      </p:to>
+                                    </p:set>
+                                    <p:anim calcmode="lin" valueType="num">
+                                      <p:cBhvr additive="base">
+                                        <p:cTn id="33" dur="500" fill="hold"/>
+                                        <p:tgtEl>
+                                          <p:spTgt spid="3">
+                                            <p:txEl>
+                                              <p:pRg st="5" end="5"/>
+                                            </p:txEl>
+                                          </p:spTgt>
+                                        </p:tgtEl>
+                                        <p:attrNameLst>
+                                          <p:attrName>ppt_x</p:attrName>
+                                        </p:attrNameLst>
+                                      </p:cBhvr>
+                                      <p:tavLst>
+                                        <p:tav tm="0">
+                                          <p:val>
+                                            <p:strVal val="#ppt_x"/>
+                                          </p:val>
+                                        </p:tav>
+                                        <p:tav tm="100000">
+                                          <p:val>
+                                            <p:strVal val="#ppt_x"/>
+                                          </p:val>
+                                        </p:tav>
+                                      </p:tavLst>
+                                    </p:anim>
+                                    <p:anim calcmode="lin" valueType="num">
+                                      <p:cBhvr additive="base">
+                                        <p:cTn id="34" dur="500" fill="hold"/>
+                                        <p:tgtEl>
+                                          <p:spTgt spid="3">
+                                            <p:txEl>
+                                              <p:pRg st="5" end="5"/>
+                                            </p:txEl>
+                                          </p:spTgt>
+                                        </p:tgtEl>
+                                        <p:attrNameLst>
+                                          <p:attrName>ppt_y</p:attrName>
+                                        </p:attrNameLst>
+                                      </p:cBhvr>
+                                      <p:tavLst>
+                                        <p:tav tm="0">
+                                          <p:val>
+                                            <p:strVal val="1+#ppt_h/2"/>
+                                          </p:val>
+                                        </p:tav>
+                                        <p:tav tm="100000">
+                                          <p:val>
+                                            <p:strVal val="#ppt_y"/>
+                                          </p:val>
+                                        </p:tav>
+                                      </p:tavLst>
+                                    </p:anim>
+                                  </p:childTnLst>
+                                </p:cTn>
+                              </p:par>
+                              <p:par>
+                                <p:cTn id="35" presetID="2" presetClass="entr" presetSubtype="4" fill="hold" nodeType="withEffect">
+                                  <p:stCondLst>
+                                    <p:cond delay="0"/>
+                                  </p:stCondLst>
+                                  <p:childTnLst>
+                                    <p:set>
+                                      <p:cBhvr>
+                                        <p:cTn id="36" dur="1" fill="hold">
+                                          <p:stCondLst>
+                                            <p:cond delay="0"/>
+                                          </p:stCondLst>
+                                        </p:cTn>
+                                        <p:tgtEl>
+                                          <p:spTgt spid="3">
+                                            <p:txEl>
                                               <p:pRg st="6" end="6"/>
                                             </p:txEl>
                                           </p:spTgt>
@@ -23360,7 +23406,7 @@
                                     </p:set>
                                     <p:anim calcmode="lin" valueType="num">
                                       <p:cBhvr additive="base">
-                                        <p:cTn id="33" dur="500" fill="hold"/>
+                                        <p:cTn id="37" dur="500" fill="hold"/>
                                         <p:tgtEl>
                                           <p:spTgt spid="3">
                                             <p:txEl>
@@ -23387,11 +23433,96 @@
                                     </p:anim>
                                     <p:anim calcmode="lin" valueType="num">
                                       <p:cBhvr additive="base">
-                                        <p:cTn id="34" dur="500" fill="hold"/>
+                                        <p:cTn id="38" dur="500" fill="hold"/>
                                         <p:tgtEl>
                                           <p:spTgt spid="3">
                                             <p:txEl>
                                               <p:pRg st="6" end="6"/>
+                                            </p:txEl>
+                                          </p:spTgt>
+                                        </p:tgtEl>
+                                        <p:attrNameLst>
+                                          <p:attrName>ppt_y</p:attrName>
+                                        </p:attrNameLst>
+                                      </p:cBhvr>
+                                      <p:tavLst>
+                                        <p:tav tm="0">
+                                          <p:val>
+                                            <p:strVal val="1+#ppt_h/2"/>
+                                          </p:val>
+                                        </p:tav>
+                                        <p:tav tm="100000">
+                                          <p:val>
+                                            <p:strVal val="#ppt_y"/>
+                                          </p:val>
+                                        </p:tav>
+                                      </p:tavLst>
+                                    </p:anim>
+                                  </p:childTnLst>
+                                </p:cTn>
+                              </p:par>
+                              <p:par>
+                                <p:cTn id="39" presetID="2" presetClass="entr" presetSubtype="4" fill="hold" nodeType="withEffect">
+                                  <p:stCondLst>
+                                    <p:cond delay="0"/>
+                                  </p:stCondLst>
+                                  <p:childTnLst>
+                                    <p:set>
+                                      <p:cBhvr>
+                                        <p:cTn id="40" dur="1" fill="hold">
+                                          <p:stCondLst>
+                                            <p:cond delay="0"/>
+                                          </p:stCondLst>
+                                        </p:cTn>
+                                        <p:tgtEl>
+                                          <p:spTgt spid="3">
+                                            <p:txEl>
+                                              <p:pRg st="7" end="7"/>
+                                            </p:txEl>
+                                          </p:spTgt>
+                                        </p:tgtEl>
+                                        <p:attrNameLst>
+                                          <p:attrName>style.visibility</p:attrName>
+                                        </p:attrNameLst>
+                                      </p:cBhvr>
+                                      <p:to>
+                                        <p:strVal val="visible"/>
+                                      </p:to>
+                                    </p:set>
+                                    <p:anim calcmode="lin" valueType="num">
+                                      <p:cBhvr additive="base">
+                                        <p:cTn id="41" dur="500" fill="hold"/>
+                                        <p:tgtEl>
+                                          <p:spTgt spid="3">
+                                            <p:txEl>
+                                              <p:pRg st="7" end="7"/>
+                                            </p:txEl>
+                                          </p:spTgt>
+                                        </p:tgtEl>
+                                        <p:attrNameLst>
+                                          <p:attrName>ppt_x</p:attrName>
+                                        </p:attrNameLst>
+                                      </p:cBhvr>
+                                      <p:tavLst>
+                                        <p:tav tm="0">
+                                          <p:val>
+                                            <p:strVal val="#ppt_x"/>
+                                          </p:val>
+                                        </p:tav>
+                                        <p:tav tm="100000">
+                                          <p:val>
+                                            <p:strVal val="#ppt_x"/>
+                                          </p:val>
+                                        </p:tav>
+                                      </p:tavLst>
+                                    </p:anim>
+                                    <p:anim calcmode="lin" valueType="num">
+                                      <p:cBhvr additive="base">
+                                        <p:cTn id="42" dur="500" fill="hold"/>
+                                        <p:tgtEl>
+                                          <p:spTgt spid="3">
+                                            <p:txEl>
+                                              <p:pRg st="7" end="7"/>
                                             </p:txEl>
                                           </p:spTgt>
                                         </p:tgtEl>
@@ -23422,111 +23553,26 @@
                     </p:cTn>
                   </p:par>
                   <p:par>
-                    <p:cTn id="35" fill="hold">
+                    <p:cTn id="43" fill="hold">
                       <p:stCondLst>
                         <p:cond delay="indefinite"/>
                       </p:stCondLst>
                       <p:childTnLst>
                         <p:par>
-                          <p:cTn id="36" fill="hold">
+                          <p:cTn id="44" fill="hold">
                             <p:stCondLst>
                               <p:cond delay="0"/>
                             </p:stCondLst>
                             <p:childTnLst>
                               <p:par>
-                                <p:cTn id="37" presetID="2" presetClass="entr" presetSubtype="4" fill="hold" nodeType="clickEffect">
+                                <p:cTn id="45" presetID="2" presetClass="entr" presetSubtype="4" fill="hold" nodeType="clickEffect">
                                   <p:stCondLst>
                                     <p:cond delay="0"/>
                                   </p:stCondLst>
                                   <p:childTnLst>
                                     <p:set>
                                       <p:cBhvr>
-                                        <p:cTn id="38" dur="1" fill="hold">
-                                          <p:stCondLst>
-                                            <p:cond delay="0"/>
-                                          </p:stCondLst>
-                                        </p:cTn>
-                                        <p:tgtEl>
-                                          <p:spTgt spid="3">
-                                            <p:txEl>
-                                              <p:pRg st="7" end="7"/>
-                                            </p:txEl>
-                                          </p:spTgt>
-                                        </p:tgtEl>
-                                        <p:attrNameLst>
-                                          <p:attrName>style.visibility</p:attrName>
-                                        </p:attrNameLst>
-                                      </p:cBhvr>
-                                      <p:to>
-                                        <p:strVal val="visible"/>
-                                      </p:to>
-                                    </p:set>
-                                    <p:anim calcmode="lin" valueType="num">
-                                      <p:cBhvr additive="base">
-                                        <p:cTn id="39" dur="500" fill="hold"/>
-                                        <p:tgtEl>
-                                          <p:spTgt spid="3">
-                                            <p:txEl>
-                                              <p:pRg st="7" end="7"/>
-                                            </p:txEl>
-                                          </p:spTgt>
-                                        </p:tgtEl>
-                                        <p:attrNameLst>
-                                          <p:attrName>ppt_x</p:attrName>
-                                        </p:attrNameLst>
-                                      </p:cBhvr>
-                                      <p:tavLst>
-                                        <p:tav tm="0">
-                                          <p:val>
-                                            <p:strVal val="#ppt_x"/>
-                                          </p:val>
-                                        </p:tav>
-                                        <p:tav tm="100000">
-                                          <p:val>
-                                            <p:strVal val="#ppt_x"/>
-                                          </p:val>
-                                        </p:tav>
-                                      </p:tavLst>
-                                    </p:anim>
-                                    <p:anim calcmode="lin" valueType="num">
-                                      <p:cBhvr additive="base">
-                                        <p:cTn id="40" dur="500" fill="hold"/>
-                                        <p:tgtEl>
-                                          <p:spTgt spid="3">
-                                            <p:txEl>
-                                              <p:pRg st="7" end="7"/>
-                                            </p:txEl>
-                                          </p:spTgt>
-                                        </p:tgtEl>
-                                        <p:attrNameLst>
-                                          <p:attrName>ppt_y</p:attrName>
-                                        </p:attrNameLst>
-                                      </p:cBhvr>
-                                      <p:tavLst>
-                                        <p:tav tm="0">
-                                          <p:val>
-                                            <p:strVal val="1+#ppt_h/2"/>
-                                          </p:val>
-                                        </p:tav>
-                                        <p:tav tm="100000">
-                                          <p:val>
-                                            <p:strVal val="#ppt_y"/>
-                                          </p:val>
-                                        </p:tav>
-                                      </p:tavLst>
-                                    </p:anim>
-                                  </p:childTnLst>
-                                </p:cTn>
-                              </p:par>
-                              <p:par>
-                                <p:cTn id="41" presetID="2" presetClass="entr" presetSubtype="4" fill="hold" nodeType="withEffect">
-                                  <p:stCondLst>
-                                    <p:cond delay="0"/>
-                                  </p:stCondLst>
-                                  <p:childTnLst>
-                                    <p:set>
-                                      <p:cBhvr>
-                                        <p:cTn id="42" dur="1" fill="hold">
+                                        <p:cTn id="46" dur="1" fill="hold">
                                           <p:stCondLst>
                                             <p:cond delay="0"/>
                                           </p:stCondLst>
@@ -23548,7 +23594,7 @@
                                     </p:set>
                                     <p:anim calcmode="lin" valueType="num">
                                       <p:cBhvr additive="base">
-                                        <p:cTn id="43" dur="500" fill="hold"/>
+                                        <p:cTn id="47" dur="500" fill="hold"/>
                                         <p:tgtEl>
                                           <p:spTgt spid="3">
                                             <p:txEl>
@@ -23575,7 +23621,7 @@
                                     </p:anim>
                                     <p:anim calcmode="lin" valueType="num">
                                       <p:cBhvr additive="base">
-                                        <p:cTn id="44" dur="500" fill="hold"/>
+                                        <p:cTn id="48" dur="500" fill="hold"/>
                                         <p:tgtEl>
                                           <p:spTgt spid="3">
                                             <p:txEl>
@@ -23604,14 +23650,14 @@
                                 </p:cTn>
                               </p:par>
                               <p:par>
-                                <p:cTn id="45" presetID="2" presetClass="entr" presetSubtype="4" fill="hold" nodeType="withEffect">
+                                <p:cTn id="49" presetID="2" presetClass="entr" presetSubtype="4" fill="hold" nodeType="withEffect">
                                   <p:stCondLst>
                                     <p:cond delay="0"/>
                                   </p:stCondLst>
                                   <p:childTnLst>
                                     <p:set>
                                       <p:cBhvr>
-                                        <p:cTn id="46" dur="1" fill="hold">
+                                        <p:cTn id="50" dur="1" fill="hold">
                                           <p:stCondLst>
                                             <p:cond delay="0"/>
                                           </p:stCondLst>
@@ -23633,7 +23679,7 @@
                                     </p:set>
                                     <p:anim calcmode="lin" valueType="num">
                                       <p:cBhvr additive="base">
-                                        <p:cTn id="47" dur="500" fill="hold"/>
+                                        <p:cTn id="51" dur="500" fill="hold"/>
                                         <p:tgtEl>
                                           <p:spTgt spid="3">
                                             <p:txEl>
@@ -23660,11 +23706,96 @@
                                     </p:anim>
                                     <p:anim calcmode="lin" valueType="num">
                                       <p:cBhvr additive="base">
-                                        <p:cTn id="48" dur="500" fill="hold"/>
+                                        <p:cTn id="52" dur="500" fill="hold"/>
                                         <p:tgtEl>
                                           <p:spTgt spid="3">
                                             <p:txEl>
                                               <p:pRg st="9" end="9"/>
+                                            </p:txEl>
+                                          </p:spTgt>
+                                        </p:tgtEl>
+                                        <p:attrNameLst>
+                                          <p:attrName>ppt_y</p:attrName>
+                                        </p:attrNameLst>
+                                      </p:cBhvr>
+                                      <p:tavLst>
+                                        <p:tav tm="0">
+                                          <p:val>
+                                            <p:strVal val="1+#ppt_h/2"/>
+                                          </p:val>
+                                        </p:tav>
+                                        <p:tav tm="100000">
+                                          <p:val>
+                                            <p:strVal val="#ppt_y"/>
+                                          </p:val>
+                                        </p:tav>
+                                      </p:tavLst>
+                                    </p:anim>
+                                  </p:childTnLst>
+                                </p:cTn>
+                              </p:par>
+                              <p:par>
+                                <p:cTn id="53" presetID="2" presetClass="entr" presetSubtype="4" fill="hold" nodeType="withEffect">
+                                  <p:stCondLst>
+                                    <p:cond delay="0"/>
+                                  </p:stCondLst>
+                                  <p:childTnLst>
+                                    <p:set>
+                                      <p:cBhvr>
+                                        <p:cTn id="54" dur="1" fill="hold">
+                                          <p:stCondLst>
+                                            <p:cond delay="0"/>
+                                          </p:stCondLst>
+                                        </p:cTn>
+                                        <p:tgtEl>
+                                          <p:spTgt spid="3">
+                                            <p:txEl>
+                                              <p:pRg st="10" end="10"/>
+                                            </p:txEl>
+                                          </p:spTgt>
+                                        </p:tgtEl>
+                                        <p:attrNameLst>
+                                          <p:attrName>style.visibility</p:attrName>
+                                        </p:attrNameLst>
+                                      </p:cBhvr>
+                                      <p:to>
+                                        <p:strVal val="visible"/>
+                                      </p:to>
+                                    </p:set>
+                                    <p:anim calcmode="lin" valueType="num">
+                                      <p:cBhvr additive="base">
+                                        <p:cTn id="55" dur="500" fill="hold"/>
+                                        <p:tgtEl>
+                                          <p:spTgt spid="3">
+                                            <p:txEl>
+                                              <p:pRg st="10" end="10"/>
+                                            </p:txEl>
+                                          </p:spTgt>
+                                        </p:tgtEl>
+                                        <p:attrNameLst>
+                                          <p:attrName>ppt_x</p:attrName>
+                                        </p:attrNameLst>
+                                      </p:cBhvr>
+                                      <p:tavLst>
+                                        <p:tav tm="0">
+                                          <p:val>
+                                            <p:strVal val="#ppt_x"/>
+                                          </p:val>
+                                        </p:tav>
+                                        <p:tav tm="100000">
+                                          <p:val>
+                                            <p:strVal val="#ppt_x"/>
+                                          </p:val>
+                                        </p:tav>
+                                      </p:tavLst>
+                                    </p:anim>
+                                    <p:anim calcmode="lin" valueType="num">
+                                      <p:cBhvr additive="base">
+                                        <p:cTn id="56" dur="500" fill="hold"/>
+                                        <p:tgtEl>
+                                          <p:spTgt spid="3">
+                                            <p:txEl>
+                                              <p:pRg st="10" end="10"/>
                                             </p:txEl>
                                           </p:spTgt>
                                         </p:tgtEl>

--- a/docs/Data515TechReview.pptx
+++ b/docs/Data515TechReview.pptx
@@ -348,7 +348,7 @@
               <a:rPr lang="en-US" smtClean="0">
                 <a:latin typeface="Segoe UI" pitchFamily="34" charset="0"/>
               </a:rPr>
-              <a:t>5/14/2019</a:t>
+              <a:t>5/27/2019</a:t>
             </a:fld>
             <a:endParaRPr lang="en-US" dirty="0">
               <a:latin typeface="Segoe UI" pitchFamily="34" charset="0"/>
@@ -671,7 +671,7 @@
             <a:fld id="{D51B1278-D92B-4AF3-A9C1-71DD298190CE}" type="datetimeFigureOut">
               <a:rPr lang="en-US" smtClean="0"/>
               <a:pPr/>
-              <a:t>5/14/2019</a:t>
+              <a:t>5/27/2019</a:t>
             </a:fld>
             <a:endParaRPr lang="en-US" dirty="0"/>
           </a:p>
@@ -986,7 +986,7 @@
                 </a:solidFill>
               </a:rPr>
               <a:pPr/>
-              <a:t>5/14/2019</a:t>
+              <a:t>5/27/2019</a:t>
             </a:fld>
             <a:endParaRPr lang="en-US" dirty="0">
               <a:solidFill>
@@ -25024,7 +25024,7 @@
         <p:spPr>
           <a:xfrm>
             <a:off x="731837" y="1363662"/>
-            <a:ext cx="10287000" cy="5324535"/>
+            <a:ext cx="10287000" cy="5016758"/>
           </a:xfrm>
           <a:prstGeom prst="rect">
             <a:avLst/>
@@ -25768,7 +25768,7 @@
                 <a:ea typeface="+mn-ea"/>
                 <a:cs typeface="+mn-cs"/>
               </a:rPr>
-              <a:t>y_pred</a:t>
+              <a:t>clf</a:t>
             </a:r>
             <a:r>
               <a:rPr kumimoji="0" lang="en-US" sz="2000" b="0" i="0" u="none" strike="noStrike" kern="1200" cap="none" spc="0" normalizeH="0" baseline="0" noProof="0" dirty="0">
@@ -25825,121 +25825,7 @@
                 <a:ea typeface="+mn-ea"/>
                 <a:cs typeface="+mn-cs"/>
               </a:rPr>
-              <a:t>(</a:t>
-            </a:r>
-            <a:r>
-              <a:rPr kumimoji="0" lang="en-US" sz="2000" b="0" i="0" u="none" strike="noStrike" kern="1200" cap="none" spc="0" normalizeH="0" baseline="0" noProof="0" dirty="0" err="1">
-                <a:ln>
-                  <a:noFill/>
-                </a:ln>
-                <a:solidFill>
-                  <a:srgbClr val="505050">
-                    <a:lumMod val="50000"/>
-                  </a:srgbClr>
-                </a:solidFill>
-                <a:effectLst/>
-                <a:uLnTx/>
-                <a:uFillTx/>
-                <a:latin typeface="Consolas" panose="020B0609020204030204" pitchFamily="49" charset="0"/>
-                <a:ea typeface="+mn-ea"/>
-                <a:cs typeface="+mn-cs"/>
-              </a:rPr>
-              <a:t>iris.data</a:t>
-            </a:r>
-            <a:r>
-              <a:rPr kumimoji="0" lang="en-US" sz="2000" b="0" i="0" u="none" strike="noStrike" kern="1200" cap="none" spc="0" normalizeH="0" baseline="0" noProof="0" dirty="0">
-                <a:ln>
-                  <a:noFill/>
-                </a:ln>
-                <a:solidFill>
-                  <a:srgbClr val="505050">
-                    <a:lumMod val="50000"/>
-                  </a:srgbClr>
-                </a:solidFill>
-                <a:effectLst/>
-                <a:uLnTx/>
-                <a:uFillTx/>
-                <a:latin typeface="Consolas" panose="020B0609020204030204" pitchFamily="49" charset="0"/>
-                <a:ea typeface="+mn-ea"/>
-                <a:cs typeface="+mn-cs"/>
-              </a:rPr>
-              <a:t>, </a:t>
-            </a:r>
-            <a:r>
-              <a:rPr kumimoji="0" lang="en-US" sz="2000" b="0" i="0" u="none" strike="noStrike" kern="1200" cap="none" spc="0" normalizeH="0" baseline="0" noProof="0" dirty="0" err="1">
-                <a:ln>
-                  <a:noFill/>
-                </a:ln>
-                <a:solidFill>
-                  <a:srgbClr val="505050">
-                    <a:lumMod val="50000"/>
-                  </a:srgbClr>
-                </a:solidFill>
-                <a:effectLst/>
-                <a:uLnTx/>
-                <a:uFillTx/>
-                <a:latin typeface="Consolas" panose="020B0609020204030204" pitchFamily="49" charset="0"/>
-                <a:ea typeface="+mn-ea"/>
-                <a:cs typeface="+mn-cs"/>
-              </a:rPr>
-              <a:t>iris.target</a:t>
-            </a:r>
-            <a:r>
-              <a:rPr kumimoji="0" lang="en-US" sz="2000" b="0" i="0" u="none" strike="noStrike" kern="1200" cap="none" spc="0" normalizeH="0" baseline="0" noProof="0" dirty="0">
-                <a:ln>
-                  <a:noFill/>
-                </a:ln>
-                <a:solidFill>
-                  <a:srgbClr val="505050">
-                    <a:lumMod val="50000"/>
-                  </a:srgbClr>
-                </a:solidFill>
-                <a:effectLst/>
-                <a:uLnTx/>
-                <a:uFillTx/>
-                <a:latin typeface="Consolas" panose="020B0609020204030204" pitchFamily="49" charset="0"/>
-                <a:ea typeface="+mn-ea"/>
-                <a:cs typeface="+mn-cs"/>
-              </a:rPr>
-              <a:t>).predict(</a:t>
-            </a:r>
-            <a:r>
-              <a:rPr kumimoji="0" lang="en-US" sz="2000" b="0" i="0" u="none" strike="noStrike" kern="1200" cap="none" spc="0" normalizeH="0" baseline="0" noProof="0" dirty="0" err="1">
-                <a:ln>
-                  <a:noFill/>
-                </a:ln>
-                <a:solidFill>
-                  <a:srgbClr val="505050">
-                    <a:lumMod val="50000"/>
-                  </a:srgbClr>
-                </a:solidFill>
-                <a:effectLst/>
-                <a:uLnTx/>
-                <a:uFillTx/>
-                <a:latin typeface="Consolas" panose="020B0609020204030204" pitchFamily="49" charset="0"/>
-                <a:ea typeface="+mn-ea"/>
-                <a:cs typeface="+mn-cs"/>
-              </a:rPr>
-              <a:t>iris.data</a:t>
-            </a:r>
-            <a:r>
-              <a:rPr kumimoji="0" lang="en-US" sz="2000" b="0" i="0" u="none" strike="noStrike" kern="1200" cap="none" spc="0" normalizeH="0" baseline="0" noProof="0" dirty="0">
-                <a:ln>
-                  <a:noFill/>
-                </a:ln>
-                <a:solidFill>
-                  <a:srgbClr val="505050">
-                    <a:lumMod val="50000"/>
-                  </a:srgbClr>
-                </a:solidFill>
-                <a:effectLst/>
-                <a:uLnTx/>
-                <a:uFillTx/>
-                <a:latin typeface="Consolas" panose="020B0609020204030204" pitchFamily="49" charset="0"/>
-                <a:ea typeface="+mn-ea"/>
-                <a:cs typeface="+mn-cs"/>
-              </a:rPr>
-              <a:t>)</a:t>
+              <a:t>(iris.data, iris.target)</a:t>
             </a:r>
           </a:p>
           <a:p>
@@ -25966,7 +25852,9 @@
                   <a:noFill/>
                 </a:ln>
                 <a:solidFill>
-                  <a:srgbClr val="FFC000"/>
+                  <a:srgbClr val="505050">
+                    <a:lumMod val="50000"/>
+                  </a:srgbClr>
                 </a:solidFill>
                 <a:effectLst/>
                 <a:uLnTx/>
@@ -25975,7 +25863,26 @@
                 <a:ea typeface="+mn-ea"/>
                 <a:cs typeface="+mn-cs"/>
               </a:rPr>
-              <a:t>print</a:t>
+              <a:t>out = </a:t>
+            </a:r>
+            <a:r>
+              <a:rPr kumimoji="0" lang="en-US" sz="2000" b="0" i="0" u="none" strike="noStrike" kern="1200" cap="none" spc="0" normalizeH="0" baseline="0" noProof="0" dirty="0" err="1">
+                <a:ln>
+                  <a:noFill/>
+                </a:ln>
+                <a:solidFill>
+                  <a:srgbClr val="505050">
+                    <a:lumMod val="50000"/>
+                  </a:srgbClr>
+                </a:solidFill>
+                <a:effectLst/>
+                <a:uLnTx/>
+                <a:uFillTx/>
+                <a:latin typeface="Consolas" panose="020B0609020204030204" pitchFamily="49" charset="0"/>
+                <a:ea typeface="+mn-ea"/>
+                <a:cs typeface="+mn-cs"/>
+              </a:rPr>
+              <a:t>clf.predict</a:t>
             </a:r>
             <a:r>
               <a:rPr kumimoji="0" lang="en-US" sz="2000" b="0" i="0" u="none" strike="noStrike" kern="1200" cap="none" spc="0" normalizeH="0" baseline="0" noProof="0" dirty="0">
@@ -25994,17 +25901,34 @@
                 <a:ea typeface="+mn-ea"/>
                 <a:cs typeface="+mn-cs"/>
               </a:rPr>
-              <a:t>(</a:t>
-            </a:r>
-            <a:r>
-              <a:rPr kumimoji="0" lang="en-US" sz="2000" b="0" i="0" u="none" strike="noStrike" kern="1200" cap="none" spc="0" normalizeH="0" baseline="0" noProof="0" dirty="0" err="1">
+              <a:t>(iris.data)</a:t>
+            </a:r>
+          </a:p>
+          <a:p>
+            <a:pPr marL="0" marR="0" lvl="0" indent="0" algn="l" defTabSz="932742" rtl="0" eaLnBrk="1" fontAlgn="auto" latinLnBrk="0" hangingPunct="1">
+              <a:lnSpc>
+                <a:spcPct val="100000"/>
+              </a:lnSpc>
+              <a:spcBef>
+                <a:spcPts val="0"/>
+              </a:spcBef>
+              <a:spcAft>
+                <a:spcPts val="0"/>
+              </a:spcAft>
+              <a:buClrTx/>
+              <a:buSzTx/>
+              <a:buFontTx/>
+              <a:buNone/>
+              <a:tabLst/>
+              <a:defRPr/>
+            </a:pPr>
+            <a:r>
+              <a:rPr kumimoji="0" lang="en-US" sz="2000" b="0" i="0" u="none" strike="noStrike" kern="1200" cap="none" spc="0" normalizeH="0" baseline="0" noProof="0" dirty="0">
                 <a:ln>
                   <a:noFill/>
                 </a:ln>
                 <a:solidFill>
-                  <a:srgbClr val="505050">
-                    <a:lumMod val="50000"/>
-                  </a:srgbClr>
+                  <a:srgbClr val="FFC000"/>
                 </a:solidFill>
                 <a:effectLst/>
                 <a:uLnTx/>
@@ -26013,7 +25937,7 @@
                 <a:ea typeface="+mn-ea"/>
                 <a:cs typeface="+mn-cs"/>
               </a:rPr>
-              <a:t>y_pred</a:t>
+              <a:t>print</a:t>
             </a:r>
             <a:r>
               <a:rPr kumimoji="0" lang="en-US" sz="2000" b="0" i="0" u="none" strike="noStrike" kern="1200" cap="none" spc="0" normalizeH="0" baseline="0" noProof="0" dirty="0">
@@ -26032,7 +25956,7 @@
                 <a:ea typeface="+mn-ea"/>
                 <a:cs typeface="+mn-cs"/>
               </a:rPr>
-              <a:t>)</a:t>
+              <a:t>(out)</a:t>
             </a:r>
           </a:p>
           <a:p>
@@ -26107,194 +26031,6 @@
             </a:r>
           </a:p>
           <a:p>
-            <a:pPr marL="0" marR="0" lvl="0" indent="0" algn="l" defTabSz="932742" rtl="0" eaLnBrk="1" fontAlgn="auto" latinLnBrk="0" hangingPunct="1">
-              <a:lnSpc>
-                <a:spcPct val="100000"/>
-              </a:lnSpc>
-              <a:spcBef>
-                <a:spcPts val="0"/>
-              </a:spcBef>
-              <a:spcAft>
-                <a:spcPts val="0"/>
-              </a:spcAft>
-              <a:buClrTx/>
-              <a:buSzTx/>
-              <a:buFontTx/>
-              <a:buNone/>
-              <a:tabLst/>
-              <a:defRPr/>
-            </a:pPr>
-            <a:r>
-              <a:rPr kumimoji="0" lang="en-US" sz="2000" b="0" i="0" u="none" strike="noStrike" kern="1200" cap="none" spc="0" normalizeH="0" baseline="0" noProof="0" dirty="0">
-                <a:ln>
-                  <a:noFill/>
-                </a:ln>
-                <a:solidFill>
-                  <a:srgbClr val="505050">
-                    <a:lumMod val="50000"/>
-                  </a:srgbClr>
-                </a:solidFill>
-                <a:effectLst/>
-                <a:uLnTx/>
-                <a:uFillTx/>
-                <a:latin typeface="Consolas" panose="020B0609020204030204" pitchFamily="49" charset="0"/>
-                <a:ea typeface="+mn-ea"/>
-                <a:cs typeface="+mn-cs"/>
-              </a:rPr>
-              <a:t>X = </a:t>
-            </a:r>
-            <a:r>
-              <a:rPr kumimoji="0" lang="en-US" sz="2000" b="0" i="0" u="none" strike="noStrike" kern="1200" cap="none" spc="0" normalizeH="0" baseline="0" noProof="0" dirty="0" err="1">
-                <a:ln>
-                  <a:noFill/>
-                </a:ln>
-                <a:solidFill>
-                  <a:srgbClr val="505050">
-                    <a:lumMod val="50000"/>
-                  </a:srgbClr>
-                </a:solidFill>
-                <a:effectLst/>
-                <a:uLnTx/>
-                <a:uFillTx/>
-                <a:latin typeface="Consolas" panose="020B0609020204030204" pitchFamily="49" charset="0"/>
-                <a:ea typeface="+mn-ea"/>
-                <a:cs typeface="+mn-cs"/>
-              </a:rPr>
-              <a:t>iris.data</a:t>
-            </a:r>
-            <a:r>
-              <a:rPr kumimoji="0" lang="en-US" sz="2000" b="0" i="0" u="none" strike="noStrike" kern="1200" cap="none" spc="0" normalizeH="0" baseline="0" noProof="0" dirty="0">
-                <a:ln>
-                  <a:noFill/>
-                </a:ln>
-                <a:solidFill>
-                  <a:srgbClr val="505050">
-                    <a:lumMod val="50000"/>
-                  </a:srgbClr>
-                </a:solidFill>
-                <a:effectLst/>
-                <a:uLnTx/>
-                <a:uFillTx/>
-                <a:latin typeface="Consolas" panose="020B0609020204030204" pitchFamily="49" charset="0"/>
-                <a:ea typeface="+mn-ea"/>
-                <a:cs typeface="+mn-cs"/>
-              </a:rPr>
-              <a:t>[:, :</a:t>
-            </a:r>
-            <a:r>
-              <a:rPr kumimoji="0" lang="en-US" sz="2000" b="0" i="0" u="none" strike="noStrike" kern="1200" cap="none" spc="0" normalizeH="0" baseline="0" noProof="0" dirty="0">
-                <a:ln>
-                  <a:noFill/>
-                </a:ln>
-                <a:solidFill>
-                  <a:srgbClr val="0072C6">
-                    <a:lumMod val="40000"/>
-                    <a:lumOff val="60000"/>
-                  </a:srgbClr>
-                </a:solidFill>
-                <a:effectLst/>
-                <a:uLnTx/>
-                <a:uFillTx/>
-                <a:latin typeface="Consolas" panose="020B0609020204030204" pitchFamily="49" charset="0"/>
-                <a:ea typeface="+mn-ea"/>
-                <a:cs typeface="+mn-cs"/>
-              </a:rPr>
-              <a:t>2</a:t>
-            </a:r>
-            <a:r>
-              <a:rPr kumimoji="0" lang="en-US" sz="2000" b="0" i="0" u="none" strike="noStrike" kern="1200" cap="none" spc="0" normalizeH="0" baseline="0" noProof="0" dirty="0">
-                <a:ln>
-                  <a:noFill/>
-                </a:ln>
-                <a:solidFill>
-                  <a:srgbClr val="505050">
-                    <a:lumMod val="50000"/>
-                  </a:srgbClr>
-                </a:solidFill>
-                <a:effectLst/>
-                <a:uLnTx/>
-                <a:uFillTx/>
-                <a:latin typeface="Consolas" panose="020B0609020204030204" pitchFamily="49" charset="0"/>
-                <a:ea typeface="+mn-ea"/>
-                <a:cs typeface="+mn-cs"/>
-              </a:rPr>
-              <a:t>]</a:t>
-            </a:r>
-          </a:p>
-          <a:p>
-            <a:pPr marL="0" marR="0" lvl="0" indent="0" algn="l" defTabSz="932742" rtl="0" eaLnBrk="1" fontAlgn="auto" latinLnBrk="0" hangingPunct="1">
-              <a:lnSpc>
-                <a:spcPct val="100000"/>
-              </a:lnSpc>
-              <a:spcBef>
-                <a:spcPts val="0"/>
-              </a:spcBef>
-              <a:spcAft>
-                <a:spcPts val="0"/>
-              </a:spcAft>
-              <a:buClrTx/>
-              <a:buSzTx/>
-              <a:buFontTx/>
-              <a:buNone/>
-              <a:tabLst/>
-              <a:defRPr/>
-            </a:pPr>
-            <a:r>
-              <a:rPr kumimoji="0" lang="en-US" sz="2000" b="0" i="0" u="none" strike="noStrike" kern="1200" cap="none" spc="0" normalizeH="0" baseline="0" noProof="0" dirty="0">
-                <a:ln>
-                  <a:noFill/>
-                </a:ln>
-                <a:solidFill>
-                  <a:srgbClr val="505050">
-                    <a:lumMod val="50000"/>
-                  </a:srgbClr>
-                </a:solidFill>
-                <a:effectLst/>
-                <a:uLnTx/>
-                <a:uFillTx/>
-                <a:latin typeface="Consolas" panose="020B0609020204030204" pitchFamily="49" charset="0"/>
-                <a:ea typeface="+mn-ea"/>
-                <a:cs typeface="+mn-cs"/>
-              </a:rPr>
-              <a:t>y = </a:t>
-            </a:r>
-            <a:r>
-              <a:rPr kumimoji="0" lang="en-US" sz="2000" b="0" i="0" u="none" strike="noStrike" kern="1200" cap="none" spc="0" normalizeH="0" baseline="0" noProof="0" dirty="0" err="1">
-                <a:ln>
-                  <a:noFill/>
-                </a:ln>
-                <a:solidFill>
-                  <a:srgbClr val="505050">
-                    <a:lumMod val="50000"/>
-                  </a:srgbClr>
-                </a:solidFill>
-                <a:effectLst/>
-                <a:uLnTx/>
-                <a:uFillTx/>
-                <a:latin typeface="Consolas" panose="020B0609020204030204" pitchFamily="49" charset="0"/>
-                <a:ea typeface="+mn-ea"/>
-                <a:cs typeface="+mn-cs"/>
-              </a:rPr>
-              <a:t>iris.target</a:t>
-            </a:r>
-            <a:endParaRPr kumimoji="0" lang="en-US" sz="2000" b="0" i="0" u="none" strike="noStrike" kern="1200" cap="none" spc="0" normalizeH="0" baseline="0" noProof="0" dirty="0">
-              <a:ln>
-                <a:noFill/>
-              </a:ln>
-              <a:solidFill>
-                <a:srgbClr val="505050">
-                  <a:lumMod val="50000"/>
-                </a:srgbClr>
-              </a:solidFill>
-              <a:effectLst/>
-              <a:uLnTx/>
-              <a:uFillTx/>
-              <a:latin typeface="Consolas" panose="020B0609020204030204" pitchFamily="49" charset="0"/>
-              <a:ea typeface="+mn-ea"/>
-              <a:cs typeface="+mn-cs"/>
-            </a:endParaRPr>
-          </a:p>
-          <a:p>
             <a:pPr lvl="0"/>
             <a:r>
               <a:rPr lang="en-US" sz="2000" dirty="0" err="1">
@@ -26522,7 +26258,7 @@
                 </a:solidFill>
                 <a:latin typeface="Consolas" panose="020B0609020204030204" pitchFamily="49" charset="0"/>
               </a:rPr>
-              <a:t>(X, y)</a:t>
+              <a:t>(iris.data[:, :2], iris.target)</a:t>
             </a:r>
           </a:p>
           <a:p>
@@ -26558,7 +26294,7 @@
                 </a:solidFill>
                 <a:latin typeface="Consolas" panose="020B0609020204030204" pitchFamily="49" charset="0"/>
               </a:rPr>
-              <a:t>(X)</a:t>
+              <a:t>(iris.data[:, :2])</a:t>
             </a:r>
           </a:p>
           <a:p>
@@ -26653,7 +26389,14 @@
           <a:p>
             <a:r>
               <a:rPr lang="en-US" dirty="0"/>
-              <a:t>Machine Learning Models: Output</a:t>
+              <a:t>Machine Learning Models:</a:t>
+            </a:r>
+            <a:br>
+              <a:rPr lang="en-US" dirty="0"/>
+            </a:br>
+            <a:r>
+              <a:rPr lang="en-US" dirty="0"/>
+              <a:t>Output is not Interpretable</a:t>
             </a:r>
           </a:p>
         </p:txBody>
@@ -26672,7 +26415,7 @@
         </p:nvSpPr>
         <p:spPr>
           <a:xfrm>
-            <a:off x="960437" y="2506662"/>
+            <a:off x="960437" y="2735262"/>
             <a:ext cx="10287000" cy="2246769"/>
           </a:xfrm>
           <a:prstGeom prst="rect">
@@ -26821,8 +26564,8 @@
         </p:nvSpPr>
         <p:spPr>
           <a:xfrm>
-            <a:off x="731837" y="1516062"/>
-            <a:ext cx="10287000" cy="5293757"/>
+            <a:off x="731837" y="1408321"/>
+            <a:ext cx="10287000" cy="5601533"/>
           </a:xfrm>
           <a:prstGeom prst="rect">
             <a:avLst/>
@@ -27262,6 +27005,41 @@
                 <a:latin typeface="Consolas" panose="020B0609020204030204" pitchFamily="49" charset="0"/>
               </a:rPr>
               <a:t>)</a:t>
+            </a:r>
+          </a:p>
+          <a:p>
+            <a:r>
+              <a:rPr lang="en-US" sz="2000" dirty="0">
+                <a:solidFill>
+                  <a:schemeClr val="tx1">
+                    <a:lumMod val="50000"/>
+                  </a:schemeClr>
+                </a:solidFill>
+                <a:latin typeface="Consolas" panose="020B0609020204030204" pitchFamily="49" charset="0"/>
+              </a:rPr>
+              <a:t>out = </a:t>
+            </a:r>
+            <a:r>
+              <a:rPr lang="en-US" sz="2000" dirty="0" err="1">
+                <a:solidFill>
+                  <a:schemeClr val="tx1">
+                    <a:lumMod val="50000"/>
+                  </a:schemeClr>
+                </a:solidFill>
+                <a:latin typeface="Consolas" panose="020B0609020204030204" pitchFamily="49" charset="0"/>
+              </a:rPr>
+              <a:t>clf.predict</a:t>
+            </a:r>
+            <a:r>
+              <a:rPr lang="en-US" sz="2000" dirty="0">
+                <a:solidFill>
+                  <a:schemeClr val="tx1">
+                    <a:lumMod val="50000"/>
+                  </a:schemeClr>
+                </a:solidFill>
+                <a:latin typeface="Consolas" panose="020B0609020204030204" pitchFamily="49" charset="0"/>
+              </a:rPr>
+              <a:t>(iris.data)</a:t>
             </a:r>
           </a:p>
           <a:p>
